--- a/document/PPT자료3/팀프로젝트 발표 03.pptx
+++ b/document/PPT자료3/팀프로젝트 발표 03.pptx
@@ -24,51 +24,51 @@
   <p:notesSz cx="6858000" cy="9144000"/>
   <p:embeddedFontLst>
     <p:embeddedFont>
-      <p:font typeface="나눔고딕" panose="020D0604000000000000" pitchFamily="50" charset="-127"/>
+      <p:font typeface="08서울한강체 L" panose="02020603020101020101" pitchFamily="18" charset="-127"/>
       <p:regular r:id="rId14"/>
-      <p:bold r:id="rId15"/>
     </p:embeddedFont>
     <p:embeddedFont>
-      <p:font typeface="08서울한강체 L" panose="02020603020101020101" pitchFamily="18" charset="-127"/>
-      <p:regular r:id="rId16"/>
+      <p:font typeface="-윤고딕350" panose="02030504000101010101" pitchFamily="18" charset="-127"/>
+      <p:regular r:id="rId15"/>
+    </p:embeddedFont>
+    <p:embeddedFont>
+      <p:font typeface="나눔고딕 ExtraBold" panose="020D0904000000000000" pitchFamily="50" charset="-127"/>
+      <p:bold r:id="rId16"/>
+    </p:embeddedFont>
+    <p:embeddedFont>
+      <p:font typeface="다음_SemiBold" panose="02000700060000000000" pitchFamily="2" charset="-127"/>
+      <p:regular r:id="rId17"/>
     </p:embeddedFont>
     <p:embeddedFont>
       <p:font typeface="나눔바른고딕" panose="020B0603020101020101" pitchFamily="50" charset="-127"/>
-      <p:regular r:id="rId17"/>
-      <p:bold r:id="rId18"/>
+      <p:regular r:id="rId18"/>
+      <p:bold r:id="rId19"/>
+    </p:embeddedFont>
+    <p:embeddedFont>
+      <p:font typeface="-윤고딕320" panose="02030504000101010101" pitchFamily="18" charset="-127"/>
+      <p:regular r:id="rId20"/>
+    </p:embeddedFont>
+    <p:embeddedFont>
+      <p:font typeface="맑은 고딕" panose="020B0503020000020004" pitchFamily="50" charset="-127"/>
+      <p:regular r:id="rId21"/>
+      <p:bold r:id="rId22"/>
     </p:embeddedFont>
     <p:embeddedFont>
       <p:font typeface="HY헤드라인M" panose="02030600000101010101" pitchFamily="18" charset="-127"/>
-      <p:regular r:id="rId19"/>
-    </p:embeddedFont>
-    <p:embeddedFont>
-      <p:font typeface="다음_SemiBold" panose="02000700060000000000" pitchFamily="2" charset="-127"/>
-      <p:regular r:id="rId20"/>
-    </p:embeddedFont>
-    <p:embeddedFont>
-      <p:font typeface="-윤고딕320" panose="02030504000101010101" pitchFamily="18" charset="-127"/>
-      <p:regular r:id="rId21"/>
-    </p:embeddedFont>
-    <p:embeddedFont>
-      <p:font typeface="-윤고딕350" panose="02030504000101010101" pitchFamily="18" charset="-127"/>
-      <p:regular r:id="rId22"/>
-    </p:embeddedFont>
-    <p:embeddedFont>
-      <p:font typeface="맑은 고딕" panose="020B0503020000020004" pitchFamily="50" charset="-127"/>
       <p:regular r:id="rId23"/>
-      <p:bold r:id="rId24"/>
-    </p:embeddedFont>
-    <p:embeddedFont>
-      <p:font typeface="나눔고딕 ExtraBold" panose="020D0904000000000000" pitchFamily="50" charset="-127"/>
-      <p:bold r:id="rId25"/>
     </p:embeddedFont>
     <p:embeddedFont>
       <p:font typeface="HY견고딕" panose="02030600000101010101" pitchFamily="18" charset="-127"/>
-      <p:regular r:id="rId26"/>
+      <p:regular r:id="rId24"/>
     </p:embeddedFont>
     <p:embeddedFont>
       <p:font typeface="Impact" panose="020B0806030902050204" pitchFamily="34" charset="0"/>
-      <p:regular r:id="rId27"/>
+      <p:regular r:id="rId25"/>
+    </p:embeddedFont>
+    <p:embeddedFont>
+      <p:font typeface="나눔고딕" panose="020D0604000000000000" pitchFamily="50" charset="-127"/>
+      <p:regular r:id="rId26"/>
+      <p:bold r:id="rId27"/>
     </p:embeddedFont>
   </p:embeddedFontLst>
   <p:defaultTextStyle>
@@ -4333,7 +4333,7 @@
           <a:p>
             <a:fld id="{006F7564-76AF-4411-AF17-4DF0E7CADDF5}" type="datetimeFigureOut">
               <a:rPr lang="ko-KR" altLang="en-US" smtClean="0"/>
-              <a:t>2014-06-06</a:t>
+              <a:t>2014-06-08</a:t>
             </a:fld>
             <a:endParaRPr lang="ko-KR" altLang="en-US"/>
           </a:p>
@@ -4866,7 +4866,7 @@
           <a:p>
             <a:fld id="{C6767D67-5BB5-4F43-815E-90CA6A631A60}" type="datetimeFigureOut">
               <a:rPr lang="ko-KR" altLang="en-US" smtClean="0"/>
-              <a:t>2014-06-06</a:t>
+              <a:t>2014-06-08</a:t>
             </a:fld>
             <a:endParaRPr lang="ko-KR" altLang="en-US"/>
           </a:p>
@@ -5036,7 +5036,7 @@
           <a:p>
             <a:fld id="{C6767D67-5BB5-4F43-815E-90CA6A631A60}" type="datetimeFigureOut">
               <a:rPr lang="ko-KR" altLang="en-US" smtClean="0"/>
-              <a:t>2014-06-06</a:t>
+              <a:t>2014-06-08</a:t>
             </a:fld>
             <a:endParaRPr lang="ko-KR" altLang="en-US"/>
           </a:p>
@@ -5216,7 +5216,7 @@
           <a:p>
             <a:fld id="{C6767D67-5BB5-4F43-815E-90CA6A631A60}" type="datetimeFigureOut">
               <a:rPr lang="ko-KR" altLang="en-US" smtClean="0"/>
-              <a:t>2014-06-06</a:t>
+              <a:t>2014-06-08</a:t>
             </a:fld>
             <a:endParaRPr lang="ko-KR" altLang="en-US"/>
           </a:p>
@@ -5386,7 +5386,7 @@
           <a:p>
             <a:fld id="{C6767D67-5BB5-4F43-815E-90CA6A631A60}" type="datetimeFigureOut">
               <a:rPr lang="ko-KR" altLang="en-US" smtClean="0"/>
-              <a:t>2014-06-06</a:t>
+              <a:t>2014-06-08</a:t>
             </a:fld>
             <a:endParaRPr lang="ko-KR" altLang="en-US"/>
           </a:p>
@@ -5632,7 +5632,7 @@
           <a:p>
             <a:fld id="{C6767D67-5BB5-4F43-815E-90CA6A631A60}" type="datetimeFigureOut">
               <a:rPr lang="ko-KR" altLang="en-US" smtClean="0"/>
-              <a:t>2014-06-06</a:t>
+              <a:t>2014-06-08</a:t>
             </a:fld>
             <a:endParaRPr lang="ko-KR" altLang="en-US"/>
           </a:p>
@@ -5920,7 +5920,7 @@
           <a:p>
             <a:fld id="{C6767D67-5BB5-4F43-815E-90CA6A631A60}" type="datetimeFigureOut">
               <a:rPr lang="ko-KR" altLang="en-US" smtClean="0"/>
-              <a:t>2014-06-06</a:t>
+              <a:t>2014-06-08</a:t>
             </a:fld>
             <a:endParaRPr lang="ko-KR" altLang="en-US"/>
           </a:p>
@@ -6342,7 +6342,7 @@
           <a:p>
             <a:fld id="{C6767D67-5BB5-4F43-815E-90CA6A631A60}" type="datetimeFigureOut">
               <a:rPr lang="ko-KR" altLang="en-US" smtClean="0"/>
-              <a:t>2014-06-06</a:t>
+              <a:t>2014-06-08</a:t>
             </a:fld>
             <a:endParaRPr lang="ko-KR" altLang="en-US"/>
           </a:p>
@@ -6460,7 +6460,7 @@
           <a:p>
             <a:fld id="{C6767D67-5BB5-4F43-815E-90CA6A631A60}" type="datetimeFigureOut">
               <a:rPr lang="ko-KR" altLang="en-US" smtClean="0"/>
-              <a:t>2014-06-06</a:t>
+              <a:t>2014-06-08</a:t>
             </a:fld>
             <a:endParaRPr lang="ko-KR" altLang="en-US"/>
           </a:p>
@@ -6555,7 +6555,7 @@
           <a:p>
             <a:fld id="{C6767D67-5BB5-4F43-815E-90CA6A631A60}" type="datetimeFigureOut">
               <a:rPr lang="ko-KR" altLang="en-US" smtClean="0"/>
-              <a:t>2014-06-06</a:t>
+              <a:t>2014-06-08</a:t>
             </a:fld>
             <a:endParaRPr lang="ko-KR" altLang="en-US"/>
           </a:p>
@@ -6832,7 +6832,7 @@
           <a:p>
             <a:fld id="{C6767D67-5BB5-4F43-815E-90CA6A631A60}" type="datetimeFigureOut">
               <a:rPr lang="ko-KR" altLang="en-US" smtClean="0"/>
-              <a:t>2014-06-06</a:t>
+              <a:t>2014-06-08</a:t>
             </a:fld>
             <a:endParaRPr lang="ko-KR" altLang="en-US"/>
           </a:p>
@@ -7089,7 +7089,7 @@
           <a:p>
             <a:fld id="{C6767D67-5BB5-4F43-815E-90CA6A631A60}" type="datetimeFigureOut">
               <a:rPr lang="ko-KR" altLang="en-US" smtClean="0"/>
-              <a:t>2014-06-06</a:t>
+              <a:t>2014-06-08</a:t>
             </a:fld>
             <a:endParaRPr lang="ko-KR" altLang="en-US"/>
           </a:p>
@@ -7335,7 +7335,7 @@
           <a:p>
             <a:fld id="{C6767D67-5BB5-4F43-815E-90CA6A631A60}" type="datetimeFigureOut">
               <a:rPr lang="ko-KR" altLang="en-US" smtClean="0"/>
-              <a:t>2014-06-06</a:t>
+              <a:t>2014-06-08</a:t>
             </a:fld>
             <a:endParaRPr lang="ko-KR" altLang="en-US"/>
           </a:p>
@@ -9011,10 +9011,8 @@
       </p:sp>
       <p:pic>
         <p:nvPicPr>
-          <p:cNvPr id="8194" name="Picture 2" descr="C:\Users\user\Desktop\Capture\3.jpg"/>
-          <p:cNvPicPr>
-            <a:picLocks noChangeAspect="1" noChangeArrowheads="1"/>
-          </p:cNvPicPr>
+          <p:cNvPr id="8" name="그림 7" descr="C:\Users\user\Desktop\따오기\3.jpg"/>
+          <p:cNvPicPr/>
           <p:nvPr/>
         </p:nvPicPr>
         <p:blipFill>
@@ -9032,30 +9030,22 @@
         </p:blipFill>
         <p:spPr bwMode="auto">
           <a:xfrm>
-            <a:off x="4860354" y="836712"/>
-            <a:ext cx="4876512" cy="4016300"/>
+            <a:off x="4644330" y="692696"/>
+            <a:ext cx="5039995" cy="3663315"/>
           </a:xfrm>
           <a:prstGeom prst="rect">
             <a:avLst/>
           </a:prstGeom>
           <a:noFill/>
-          <a:extLst>
-            <a:ext uri="{909E8E84-426E-40DD-AFC4-6F175D3DCCD1}">
-              <a14:hiddenFill xmlns:a14="http://schemas.microsoft.com/office/drawing/2010/main">
-                <a:solidFill>
-                  <a:srgbClr val="FFFFFF"/>
-                </a:solidFill>
-              </a14:hiddenFill>
-            </a:ext>
-          </a:extLst>
+          <a:ln>
+            <a:noFill/>
+          </a:ln>
         </p:spPr>
       </p:pic>
       <p:pic>
         <p:nvPicPr>
-          <p:cNvPr id="1027" name="Picture 3"/>
-          <p:cNvPicPr>
-            <a:picLocks noChangeAspect="1" noChangeArrowheads="1"/>
-          </p:cNvPicPr>
+          <p:cNvPr id="12" name="그림 11" descr="C:\Users\user\Desktop\따오기\4.jpg"/>
+          <p:cNvPicPr/>
           <p:nvPr/>
         </p:nvPicPr>
         <p:blipFill>
@@ -9073,8 +9063,8 @@
         </p:blipFill>
         <p:spPr bwMode="auto">
           <a:xfrm>
-            <a:off x="665956" y="2754432"/>
-            <a:ext cx="4914478" cy="3524826"/>
+            <a:off x="251842" y="2924944"/>
+            <a:ext cx="5039995" cy="3662680"/>
           </a:xfrm>
           <a:prstGeom prst="rect">
             <a:avLst/>
@@ -9083,31 +9073,12 @@
           <a:ln>
             <a:noFill/>
           </a:ln>
-          <a:extLst>
-            <a:ext uri="{909E8E84-426E-40DD-AFC4-6F175D3DCCD1}">
-              <a14:hiddenFill xmlns:a14="http://schemas.microsoft.com/office/drawing/2010/main">
-                <a:solidFill>
-                  <a:schemeClr val="accent1"/>
-                </a:solidFill>
-              </a14:hiddenFill>
-            </a:ext>
-            <a:ext uri="{91240B29-F687-4F45-9708-019B960494DF}">
-              <a14:hiddenLine xmlns:a14="http://schemas.microsoft.com/office/drawing/2010/main" w="9525">
-                <a:solidFill>
-                  <a:schemeClr val="tx1"/>
-                </a:solidFill>
-                <a:miter lim="800000"/>
-                <a:headEnd/>
-                <a:tailEnd/>
-              </a14:hiddenLine>
-            </a:ext>
-          </a:extLst>
         </p:spPr>
       </p:pic>
     </p:spTree>
     <p:extLst>
       <p:ext uri="{BB962C8B-B14F-4D97-AF65-F5344CB8AC3E}">
-        <p14:creationId xmlns:p14="http://schemas.microsoft.com/office/powerpoint/2010/main" val="837857210"/>
+        <p14:creationId xmlns:p14="http://schemas.microsoft.com/office/powerpoint/2010/main" val="1280635870"/>
       </p:ext>
     </p:extLst>
   </p:cSld>
@@ -9340,10 +9311,8 @@
       </p:sp>
       <p:pic>
         <p:nvPicPr>
-          <p:cNvPr id="9218" name="Picture 2" descr="C:\Users\user\Desktop\Capture\8.jpg"/>
-          <p:cNvPicPr>
-            <a:picLocks noChangeAspect="1" noChangeArrowheads="1"/>
-          </p:cNvPicPr>
+          <p:cNvPr id="10" name="그림 9" descr="C:\Users\user\Desktop\따오기\5.jpg"/>
+          <p:cNvPicPr/>
           <p:nvPr/>
         </p:nvPicPr>
         <p:blipFill>
@@ -9361,34 +9330,26 @@
         </p:blipFill>
         <p:spPr bwMode="auto">
           <a:xfrm>
-            <a:off x="4777087" y="692696"/>
-            <a:ext cx="4814538" cy="3960440"/>
+            <a:off x="4644895" y="692696"/>
+            <a:ext cx="5039995" cy="3658870"/>
           </a:xfrm>
           <a:prstGeom prst="rect">
             <a:avLst/>
           </a:prstGeom>
           <a:noFill/>
-          <a:extLst>
-            <a:ext uri="{909E8E84-426E-40DD-AFC4-6F175D3DCCD1}">
-              <a14:hiddenFill xmlns:a14="http://schemas.microsoft.com/office/drawing/2010/main">
-                <a:solidFill>
-                  <a:srgbClr val="FFFFFF"/>
-                </a:solidFill>
-              </a14:hiddenFill>
-            </a:ext>
-          </a:extLst>
+          <a:ln>
+            <a:noFill/>
+          </a:ln>
         </p:spPr>
       </p:pic>
       <p:pic>
         <p:nvPicPr>
-          <p:cNvPr id="9219" name="Picture 3" descr="C:\Users\user\Desktop\Capture\12.jpg"/>
-          <p:cNvPicPr>
-            <a:picLocks noChangeAspect="1" noChangeArrowheads="1"/>
-          </p:cNvPicPr>
+          <p:cNvPr id="11" name="그림 10"/>
+          <p:cNvPicPr/>
           <p:nvPr/>
         </p:nvPicPr>
         <p:blipFill>
-          <a:blip r:embed="rId4">
+          <a:blip r:embed="rId4" cstate="print">
             <a:extLst>
               <a:ext uri="{28A0092B-C50C-407E-A947-70E740481C1C}">
                 <a14:useLocalDpi xmlns:a14="http://schemas.microsoft.com/office/drawing/2010/main" val="0"/>
@@ -9402,28 +9363,22 @@
         </p:blipFill>
         <p:spPr bwMode="auto">
           <a:xfrm>
-            <a:off x="467866" y="2974646"/>
-            <a:ext cx="5004370" cy="3356980"/>
+            <a:off x="251842" y="3907492"/>
+            <a:ext cx="5039995" cy="2689860"/>
           </a:xfrm>
           <a:prstGeom prst="rect">
             <a:avLst/>
           </a:prstGeom>
           <a:noFill/>
-          <a:extLst>
-            <a:ext uri="{909E8E84-426E-40DD-AFC4-6F175D3DCCD1}">
-              <a14:hiddenFill xmlns:a14="http://schemas.microsoft.com/office/drawing/2010/main">
-                <a:solidFill>
-                  <a:srgbClr val="FFFFFF"/>
-                </a:solidFill>
-              </a14:hiddenFill>
-            </a:ext>
-          </a:extLst>
+          <a:ln>
+            <a:noFill/>
+          </a:ln>
         </p:spPr>
       </p:pic>
     </p:spTree>
     <p:extLst>
       <p:ext uri="{BB962C8B-B14F-4D97-AF65-F5344CB8AC3E}">
-        <p14:creationId xmlns:p14="http://schemas.microsoft.com/office/powerpoint/2010/main" val="123709063"/>
+        <p14:creationId xmlns:p14="http://schemas.microsoft.com/office/powerpoint/2010/main" val="216331793"/>
       </p:ext>
     </p:extLst>
   </p:cSld>
@@ -26851,10 +26806,8 @@
       </p:sp>
       <p:pic>
         <p:nvPicPr>
-          <p:cNvPr id="7170" name="Picture 2" descr="C:\Users\user\Desktop\Capture\1.jpg"/>
-          <p:cNvPicPr>
-            <a:picLocks noChangeAspect="1" noChangeArrowheads="1"/>
-          </p:cNvPicPr>
+          <p:cNvPr id="10" name="그림 9" descr="C:\Users\user\Desktop\따오기\1.jpg"/>
+          <p:cNvPicPr/>
           <p:nvPr/>
         </p:nvPicPr>
         <p:blipFill>
@@ -26872,30 +26825,22 @@
         </p:blipFill>
         <p:spPr bwMode="auto">
           <a:xfrm>
-            <a:off x="4356298" y="1268758"/>
-            <a:ext cx="5119290" cy="4032449"/>
+            <a:off x="4644330" y="692696"/>
+            <a:ext cx="5039995" cy="3670935"/>
           </a:xfrm>
           <a:prstGeom prst="rect">
             <a:avLst/>
           </a:prstGeom>
           <a:noFill/>
-          <a:extLst>
-            <a:ext uri="{909E8E84-426E-40DD-AFC4-6F175D3DCCD1}">
-              <a14:hiddenFill xmlns:a14="http://schemas.microsoft.com/office/drawing/2010/main">
-                <a:solidFill>
-                  <a:srgbClr val="FFFFFF"/>
-                </a:solidFill>
-              </a14:hiddenFill>
-            </a:ext>
-          </a:extLst>
+          <a:ln>
+            <a:noFill/>
+          </a:ln>
         </p:spPr>
       </p:pic>
       <p:pic>
         <p:nvPicPr>
-          <p:cNvPr id="8" name="Picture 2"/>
-          <p:cNvPicPr>
-            <a:picLocks noChangeAspect="1" noChangeArrowheads="1"/>
-          </p:cNvPicPr>
+          <p:cNvPr id="11" name="그림 10" descr="C:\Users\user\Desktop\따오기\2.jpg"/>
+          <p:cNvPicPr/>
           <p:nvPr/>
         </p:nvPicPr>
         <p:blipFill>
@@ -26913,8 +26858,8 @@
         </p:blipFill>
         <p:spPr bwMode="auto">
           <a:xfrm>
-            <a:off x="467866" y="3064222"/>
-            <a:ext cx="4925135" cy="3577580"/>
+            <a:off x="251842" y="2915766"/>
+            <a:ext cx="5039995" cy="3658870"/>
           </a:xfrm>
           <a:prstGeom prst="rect">
             <a:avLst/>
@@ -26923,25 +26868,6 @@
           <a:ln>
             <a:noFill/>
           </a:ln>
-          <a:extLst>
-            <a:ext uri="{909E8E84-426E-40DD-AFC4-6F175D3DCCD1}">
-              <a14:hiddenFill xmlns:a14="http://schemas.microsoft.com/office/drawing/2010/main">
-                <a:solidFill>
-                  <a:schemeClr val="accent1"/>
-                </a:solidFill>
-              </a14:hiddenFill>
-            </a:ext>
-            <a:ext uri="{91240B29-F687-4F45-9708-019B960494DF}">
-              <a14:hiddenLine xmlns:a14="http://schemas.microsoft.com/office/drawing/2010/main" w="9525">
-                <a:solidFill>
-                  <a:schemeClr val="tx1"/>
-                </a:solidFill>
-                <a:miter lim="800000"/>
-                <a:headEnd/>
-                <a:tailEnd/>
-              </a14:hiddenLine>
-            </a:ext>
-          </a:extLst>
         </p:spPr>
       </p:pic>
     </p:spTree>
